--- a/artic-ont-viral/tutorials-and-materials/introduction_to_shell_scripting.pptx
+++ b/artic-ont-viral/tutorials-and-materials/introduction_to_shell_scripting.pptx
@@ -5,7 +5,7 @@
     <p:sldMasterId id="2147483648" r:id="rId1"/>
   </p:sldMasterIdLst>
   <p:notesMasterIdLst>
-    <p:notesMasterId r:id="rId25"/>
+    <p:notesMasterId r:id="rId26"/>
   </p:notesMasterIdLst>
   <p:sldIdLst>
     <p:sldId id="257" r:id="rId2"/>
@@ -31,6 +31,7 @@
     <p:sldId id="347" r:id="rId22"/>
     <p:sldId id="348" r:id="rId23"/>
     <p:sldId id="330" r:id="rId24"/>
+    <p:sldId id="349" r:id="rId25"/>
   </p:sldIdLst>
   <p:sldSz cx="12192000" cy="6858000"/>
   <p:notesSz cx="6858000" cy="9144000"/>
@@ -129,6 +130,11 @@
       </a:defRPr>
     </a:lvl9pPr>
   </p:defaultTextStyle>
+  <p:extLst>
+    <p:ext uri="{EFAFB233-063F-42B5-8137-9DF3F51BA10A}">
+      <p15:sldGuideLst xmlns:p15="http://schemas.microsoft.com/office/powerpoint/2012/main"/>
+    </p:ext>
+  </p:extLst>
 </p:presentation>
 </file>
 
@@ -214,7 +220,7 @@
           <a:p>
             <a:fld id="{81F79FCF-2BA4-3C40-987B-A8D1C1E50586}" type="datetimeFigureOut">
               <a:rPr lang="en-KE" smtClean="0"/>
-              <a:t>09/02/2023</a:t>
+              <a:t>10/03/2023</a:t>
             </a:fld>
             <a:endParaRPr lang="en-KE"/>
           </a:p>
@@ -2117,6 +2123,115 @@
 </p:notes>
 </file>
 
+<file path=ppt/notesSlides/notesSlide23.xml><?xml version="1.0" encoding="utf-8"?>
+<p:notes xmlns:a="http://schemas.openxmlformats.org/drawingml/2006/main" xmlns:r="http://schemas.openxmlformats.org/officeDocument/2006/relationships" xmlns:p="http://schemas.openxmlformats.org/presentationml/2006/main" showMasterSp="0" showMasterPhAnim="0">
+  <p:cSld>
+    <p:spTree>
+      <p:nvGrpSpPr>
+        <p:cNvPr id="1" name="Shape 293"/>
+        <p:cNvGrpSpPr/>
+        <p:nvPr/>
+      </p:nvGrpSpPr>
+      <p:grpSpPr>
+        <a:xfrm>
+          <a:off x="0" y="0"/>
+          <a:ext cx="0" cy="0"/>
+          <a:chOff x="0" y="0"/>
+          <a:chExt cx="0" cy="0"/>
+        </a:xfrm>
+      </p:grpSpPr>
+      <p:sp>
+        <p:nvSpPr>
+          <p:cNvPr id="294" name="Google Shape;294;p3:notes"/>
+          <p:cNvSpPr txBox="1">
+            <a:spLocks noGrp="1"/>
+          </p:cNvSpPr>
+          <p:nvPr>
+            <p:ph type="body" idx="1"/>
+          </p:nvPr>
+        </p:nvSpPr>
+        <p:spPr>
+          <a:xfrm>
+            <a:off x="709613" y="4860925"/>
+            <a:ext cx="5684837" cy="4605338"/>
+          </a:xfrm>
+          <a:prstGeom prst="rect">
+            <a:avLst/>
+          </a:prstGeom>
+        </p:spPr>
+        <p:txBody>
+          <a:bodyPr spcFirstLastPara="1" wrap="square" lIns="97200" tIns="48600" rIns="97200" bIns="48600" anchor="t" anchorCtr="0">
+            <a:noAutofit/>
+          </a:bodyPr>
+          <a:lstStyle/>
+          <a:p>
+            <a:pPr marL="0" lvl="0" indent="0" algn="l" rtl="0">
+              <a:spcBef>
+                <a:spcPts val="360"/>
+              </a:spcBef>
+              <a:spcAft>
+                <a:spcPts val="0"/>
+              </a:spcAft>
+              <a:buNone/>
+            </a:pPr>
+            <a:endParaRPr dirty="0"/>
+          </a:p>
+        </p:txBody>
+      </p:sp>
+      <p:sp>
+        <p:nvSpPr>
+          <p:cNvPr id="295" name="Google Shape;295;p3:notes"/>
+          <p:cNvSpPr>
+            <a:spLocks noGrp="1" noRot="1" noChangeAspect="1"/>
+          </p:cNvSpPr>
+          <p:nvPr>
+            <p:ph type="sldImg" idx="2"/>
+          </p:nvPr>
+        </p:nvSpPr>
+        <p:spPr>
+          <a:xfrm>
+            <a:off x="141288" y="766763"/>
+            <a:ext cx="6821487" cy="3838575"/>
+          </a:xfrm>
+          <a:custGeom>
+            <a:avLst/>
+            <a:gdLst/>
+            <a:ahLst/>
+            <a:cxnLst/>
+            <a:rect l="l" t="t" r="r" b="b"/>
+            <a:pathLst>
+              <a:path w="120000" h="120000" extrusionOk="0">
+                <a:moveTo>
+                  <a:pt x="0" y="0"/>
+                </a:moveTo>
+                <a:lnTo>
+                  <a:pt x="120000" y="0"/>
+                </a:lnTo>
+                <a:lnTo>
+                  <a:pt x="120000" y="120000"/>
+                </a:lnTo>
+                <a:lnTo>
+                  <a:pt x="0" y="120000"/>
+                </a:lnTo>
+                <a:close/>
+              </a:path>
+            </a:pathLst>
+          </a:custGeom>
+        </p:spPr>
+      </p:sp>
+    </p:spTree>
+    <p:extLst>
+      <p:ext uri="{BB962C8B-B14F-4D97-AF65-F5344CB8AC3E}">
+        <p14:creationId xmlns:p14="http://schemas.microsoft.com/office/powerpoint/2010/main" val="1300240509"/>
+      </p:ext>
+    </p:extLst>
+  </p:cSld>
+  <p:clrMapOvr>
+    <a:masterClrMapping/>
+  </p:clrMapOvr>
+</p:notes>
+</file>
+
 <file path=ppt/notesSlides/notesSlide3.xml><?xml version="1.0" encoding="utf-8"?>
 <p:notes xmlns:a="http://schemas.openxmlformats.org/drawingml/2006/main" xmlns:r="http://schemas.openxmlformats.org/officeDocument/2006/relationships" xmlns:p="http://schemas.openxmlformats.org/presentationml/2006/main" showMasterSp="0" showMasterPhAnim="0">
   <p:cSld>
@@ -3029,7 +3144,7 @@
           <a:p>
             <a:fld id="{2F98F39E-BC50-A94F-ACE7-DBF269962428}" type="datetimeFigureOut">
               <a:rPr lang="en-KE" smtClean="0"/>
-              <a:t>09/02/2023</a:t>
+              <a:t>10/03/2023</a:t>
             </a:fld>
             <a:endParaRPr lang="en-KE"/>
           </a:p>
@@ -3229,7 +3344,7 @@
           <a:p>
             <a:fld id="{2F98F39E-BC50-A94F-ACE7-DBF269962428}" type="datetimeFigureOut">
               <a:rPr lang="en-KE" smtClean="0"/>
-              <a:t>09/02/2023</a:t>
+              <a:t>10/03/2023</a:t>
             </a:fld>
             <a:endParaRPr lang="en-KE"/>
           </a:p>
@@ -3439,7 +3554,7 @@
           <a:p>
             <a:fld id="{2F98F39E-BC50-A94F-ACE7-DBF269962428}" type="datetimeFigureOut">
               <a:rPr lang="en-KE" smtClean="0"/>
-              <a:t>09/02/2023</a:t>
+              <a:t>10/03/2023</a:t>
             </a:fld>
             <a:endParaRPr lang="en-KE"/>
           </a:p>
@@ -5062,7 +5177,7 @@
           <a:p>
             <a:fld id="{2F98F39E-BC50-A94F-ACE7-DBF269962428}" type="datetimeFigureOut">
               <a:rPr lang="en-KE" smtClean="0"/>
-              <a:t>09/02/2023</a:t>
+              <a:t>10/03/2023</a:t>
             </a:fld>
             <a:endParaRPr lang="en-KE"/>
           </a:p>
@@ -5338,7 +5453,7 @@
           <a:p>
             <a:fld id="{2F98F39E-BC50-A94F-ACE7-DBF269962428}" type="datetimeFigureOut">
               <a:rPr lang="en-KE" smtClean="0"/>
-              <a:t>09/02/2023</a:t>
+              <a:t>10/03/2023</a:t>
             </a:fld>
             <a:endParaRPr lang="en-KE"/>
           </a:p>
@@ -5606,7 +5721,7 @@
           <a:p>
             <a:fld id="{2F98F39E-BC50-A94F-ACE7-DBF269962428}" type="datetimeFigureOut">
               <a:rPr lang="en-KE" smtClean="0"/>
-              <a:t>09/02/2023</a:t>
+              <a:t>10/03/2023</a:t>
             </a:fld>
             <a:endParaRPr lang="en-KE"/>
           </a:p>
@@ -6021,7 +6136,7 @@
           <a:p>
             <a:fld id="{2F98F39E-BC50-A94F-ACE7-DBF269962428}" type="datetimeFigureOut">
               <a:rPr lang="en-KE" smtClean="0"/>
-              <a:t>09/02/2023</a:t>
+              <a:t>10/03/2023</a:t>
             </a:fld>
             <a:endParaRPr lang="en-KE"/>
           </a:p>
@@ -6163,7 +6278,7 @@
           <a:p>
             <a:fld id="{2F98F39E-BC50-A94F-ACE7-DBF269962428}" type="datetimeFigureOut">
               <a:rPr lang="en-KE" smtClean="0"/>
-              <a:t>09/02/2023</a:t>
+              <a:t>10/03/2023</a:t>
             </a:fld>
             <a:endParaRPr lang="en-KE"/>
           </a:p>
@@ -6276,7 +6391,7 @@
           <a:p>
             <a:fld id="{2F98F39E-BC50-A94F-ACE7-DBF269962428}" type="datetimeFigureOut">
               <a:rPr lang="en-KE" smtClean="0"/>
-              <a:t>09/02/2023</a:t>
+              <a:t>10/03/2023</a:t>
             </a:fld>
             <a:endParaRPr lang="en-KE"/>
           </a:p>
@@ -6589,7 +6704,7 @@
           <a:p>
             <a:fld id="{2F98F39E-BC50-A94F-ACE7-DBF269962428}" type="datetimeFigureOut">
               <a:rPr lang="en-KE" smtClean="0"/>
-              <a:t>09/02/2023</a:t>
+              <a:t>10/03/2023</a:t>
             </a:fld>
             <a:endParaRPr lang="en-KE"/>
           </a:p>
@@ -6878,7 +6993,7 @@
           <a:p>
             <a:fld id="{2F98F39E-BC50-A94F-ACE7-DBF269962428}" type="datetimeFigureOut">
               <a:rPr lang="en-KE" smtClean="0"/>
-              <a:t>09/02/2023</a:t>
+              <a:t>10/03/2023</a:t>
             </a:fld>
             <a:endParaRPr lang="en-KE"/>
           </a:p>
@@ -7121,7 +7236,7 @@
           <a:p>
             <a:fld id="{2F98F39E-BC50-A94F-ACE7-DBF269962428}" type="datetimeFigureOut">
               <a:rPr lang="en-KE" smtClean="0"/>
-              <a:t>09/02/2023</a:t>
+              <a:t>10/03/2023</a:t>
             </a:fld>
             <a:endParaRPr lang="en-KE"/>
           </a:p>
@@ -13030,7 +13145,7 @@
         <p:spPr>
           <a:xfrm>
             <a:off x="608704" y="1424758"/>
-            <a:ext cx="9800760" cy="646331"/>
+            <a:ext cx="9800760" cy="4247317"/>
           </a:xfrm>
           <a:prstGeom prst="rect">
             <a:avLst/>
@@ -13064,6 +13179,236 @@
                 <a:hlinkClick r:id="rId3"/>
               </a:rPr>
               <a:t>https://swcarpentry.github.io/shell-novice/data/shell-lesson-data.zip</a:t>
+            </a:r>
+            <a:endParaRPr lang="en-US" b="0" i="0" dirty="0">
+              <a:solidFill>
+                <a:srgbClr val="333333"/>
+              </a:solidFill>
+              <a:effectLst/>
+              <a:latin typeface="Corbel" panose="020B0503020204020204" pitchFamily="34" charset="0"/>
+            </a:endParaRPr>
+          </a:p>
+          <a:p>
+            <a:pPr algn="l"/>
+            <a:endParaRPr lang="en-US" dirty="0">
+              <a:solidFill>
+                <a:srgbClr val="333333"/>
+              </a:solidFill>
+              <a:latin typeface="Corbel" panose="020B0503020204020204" pitchFamily="34" charset="0"/>
+            </a:endParaRPr>
+          </a:p>
+          <a:p>
+            <a:r>
+              <a:rPr lang="en-US" b="1" dirty="0">
+                <a:effectLst/>
+                <a:latin typeface="Andale Mono" panose="020B0509000000000004" pitchFamily="49" charset="0"/>
+              </a:rPr>
+              <a:t>2. awk -F"\t" ' NR&gt;1 { print $7 }' /var/scratch/global/</a:t>
+            </a:r>
+            <a:r>
+              <a:rPr lang="en-US" b="1" dirty="0" err="1">
+                <a:effectLst/>
+                <a:latin typeface="Andale Mono" panose="020B0509000000000004" pitchFamily="49" charset="0"/>
+              </a:rPr>
+              <a:t>unix</a:t>
+            </a:r>
+            <a:r>
+              <a:rPr lang="en-US" b="1" dirty="0">
+                <a:effectLst/>
+                <a:latin typeface="Andale Mono" panose="020B0509000000000004" pitchFamily="49" charset="0"/>
+              </a:rPr>
+              <a:t>-stuff/Undetermined_S0.snpeff.vcf.tsv | sort -r | </a:t>
+            </a:r>
+            <a:r>
+              <a:rPr lang="en-US" b="1" dirty="0" err="1">
+                <a:effectLst/>
+                <a:latin typeface="Andale Mono" panose="020B0509000000000004" pitchFamily="49" charset="0"/>
+              </a:rPr>
+              <a:t>uniq</a:t>
+            </a:r>
+            <a:endParaRPr lang="en-US" b="1" dirty="0">
+              <a:effectLst/>
+              <a:latin typeface="Andale Mono" panose="020B0509000000000004" pitchFamily="49" charset="0"/>
+            </a:endParaRPr>
+          </a:p>
+          <a:p>
+            <a:endParaRPr lang="en-US" b="1" dirty="0">
+              <a:latin typeface="Andale Mono" panose="020B0509000000000004" pitchFamily="49" charset="0"/>
+            </a:endParaRPr>
+          </a:p>
+          <a:p>
+            <a:pPr algn="l"/>
+            <a:r>
+              <a:rPr lang="en-US" b="1" i="0" dirty="0">
+                <a:effectLst/>
+                <a:latin typeface="Andale Mono" panose="020B0509000000000004" pitchFamily="49" charset="0"/>
+              </a:rPr>
+              <a:t>#!/bin/bash</a:t>
+            </a:r>
+          </a:p>
+          <a:p>
+            <a:pPr algn="l"/>
+            <a:endParaRPr lang="en-US" b="1" dirty="0">
+              <a:latin typeface="Andale Mono" panose="020B0509000000000004" pitchFamily="49" charset="0"/>
+            </a:endParaRPr>
+          </a:p>
+          <a:p>
+            <a:r>
+              <a:rPr lang="en-US" b="1" dirty="0">
+                <a:effectLst/>
+                <a:latin typeface="Andale Mono" panose="020B0509000000000004" pitchFamily="49" charset="0"/>
+              </a:rPr>
+              <a:t>for </a:t>
+            </a:r>
+            <a:r>
+              <a:rPr lang="en-US" b="1" dirty="0" err="1">
+                <a:effectLst/>
+                <a:latin typeface="Andale Mono" panose="020B0509000000000004" pitchFamily="49" charset="0"/>
+              </a:rPr>
+              <a:t>i</a:t>
+            </a:r>
+            <a:r>
+              <a:rPr lang="en-US" b="1" dirty="0">
+                <a:effectLst/>
+                <a:latin typeface="Andale Mono" panose="020B0509000000000004" pitchFamily="49" charset="0"/>
+              </a:rPr>
+              <a:t> in </a:t>
+            </a:r>
+            <a:r>
+              <a:rPr lang="en-US" b="1" dirty="0" err="1">
+                <a:effectLst/>
+                <a:latin typeface="Andale Mono" panose="020B0509000000000004" pitchFamily="49" charset="0"/>
+              </a:rPr>
+              <a:t>upstream_gene_variant</a:t>
+            </a:r>
+            <a:r>
+              <a:rPr lang="en-US" b="1" dirty="0">
+                <a:effectLst/>
+                <a:latin typeface="Andale Mono" panose="020B0509000000000004" pitchFamily="49" charset="0"/>
+              </a:rPr>
+              <a:t> </a:t>
+            </a:r>
+            <a:r>
+              <a:rPr lang="en-US" b="1" dirty="0" err="1">
+                <a:effectLst/>
+                <a:latin typeface="Andale Mono" panose="020B0509000000000004" pitchFamily="49" charset="0"/>
+              </a:rPr>
+              <a:t>synonymous_variant</a:t>
+            </a:r>
+            <a:r>
+              <a:rPr lang="en-US" b="1" dirty="0">
+                <a:effectLst/>
+                <a:latin typeface="Andale Mono" panose="020B0509000000000004" pitchFamily="49" charset="0"/>
+              </a:rPr>
+              <a:t> </a:t>
+            </a:r>
+            <a:r>
+              <a:rPr lang="en-US" b="1" dirty="0" err="1">
+                <a:effectLst/>
+                <a:latin typeface="Andale Mono" panose="020B0509000000000004" pitchFamily="49" charset="0"/>
+              </a:rPr>
+              <a:t>missense_variant</a:t>
+            </a:r>
+            <a:r>
+              <a:rPr lang="en-US" b="1" dirty="0">
+                <a:effectLst/>
+                <a:latin typeface="Andale Mono" panose="020B0509000000000004" pitchFamily="49" charset="0"/>
+              </a:rPr>
+              <a:t> </a:t>
+            </a:r>
+            <a:r>
+              <a:rPr lang="en-US" b="1" dirty="0" err="1">
+                <a:effectLst/>
+                <a:latin typeface="Andale Mono" panose="020B0509000000000004" pitchFamily="49" charset="0"/>
+              </a:rPr>
+              <a:t>downstream_gene_variant</a:t>
+            </a:r>
+            <a:r>
+              <a:rPr lang="en-US" b="1" dirty="0">
+                <a:effectLst/>
+                <a:latin typeface="Andale Mono" panose="020B0509000000000004" pitchFamily="49" charset="0"/>
+              </a:rPr>
+              <a:t> </a:t>
+            </a:r>
+            <a:r>
+              <a:rPr lang="en-US" b="1" dirty="0" err="1">
+                <a:effectLst/>
+                <a:latin typeface="Andale Mono" panose="020B0509000000000004" pitchFamily="49" charset="0"/>
+              </a:rPr>
+              <a:t>disruptive_inframe_deletion</a:t>
+            </a:r>
+            <a:r>
+              <a:rPr lang="en-US" b="1" dirty="0">
+                <a:effectLst/>
+                <a:latin typeface="Andale Mono" panose="020B0509000000000004" pitchFamily="49" charset="0"/>
+              </a:rPr>
+              <a:t> </a:t>
+            </a:r>
+            <a:r>
+              <a:rPr lang="en-US" b="1" dirty="0" err="1">
+                <a:effectLst/>
+                <a:latin typeface="Andale Mono" panose="020B0509000000000004" pitchFamily="49" charset="0"/>
+              </a:rPr>
+              <a:t>conservative_inframe_deletion</a:t>
+            </a:r>
+            <a:endParaRPr lang="en-US" b="1" dirty="0">
+              <a:effectLst/>
+              <a:latin typeface="Andale Mono" panose="020B0509000000000004" pitchFamily="49" charset="0"/>
+            </a:endParaRPr>
+          </a:p>
+          <a:p>
+            <a:r>
+              <a:rPr lang="en-US" b="1" dirty="0">
+                <a:effectLst/>
+                <a:latin typeface="Andale Mono" panose="020B0509000000000004" pitchFamily="49" charset="0"/>
+              </a:rPr>
+              <a:t>do</a:t>
+            </a:r>
+          </a:p>
+          <a:p>
+            <a:r>
+              <a:rPr lang="en-US" b="1" dirty="0">
+                <a:effectLst/>
+                <a:latin typeface="Andale Mono" panose="020B0509000000000004" pitchFamily="49" charset="0"/>
+              </a:rPr>
+              <a:t>grep $</a:t>
+            </a:r>
+            <a:r>
+              <a:rPr lang="en-US" b="1" dirty="0" err="1">
+                <a:effectLst/>
+                <a:latin typeface="Andale Mono" panose="020B0509000000000004" pitchFamily="49" charset="0"/>
+              </a:rPr>
+              <a:t>i</a:t>
+            </a:r>
+            <a:r>
+              <a:rPr lang="en-US" b="1" dirty="0">
+                <a:effectLst/>
+                <a:latin typeface="Andale Mono" panose="020B0509000000000004" pitchFamily="49" charset="0"/>
+              </a:rPr>
+              <a:t> /var/scratch/global/</a:t>
+            </a:r>
+            <a:r>
+              <a:rPr lang="en-US" b="1" dirty="0" err="1">
+                <a:effectLst/>
+                <a:latin typeface="Andale Mono" panose="020B0509000000000004" pitchFamily="49" charset="0"/>
+              </a:rPr>
+              <a:t>unix</a:t>
+            </a:r>
+            <a:r>
+              <a:rPr lang="en-US" b="1" dirty="0">
+                <a:effectLst/>
+                <a:latin typeface="Andale Mono" panose="020B0509000000000004" pitchFamily="49" charset="0"/>
+              </a:rPr>
+              <a:t>-stuff/Undetermined_S0.snpeff.vcf.tsv | awk 'BEGIN {FS="\t"; OFS=FS}; { print $1,$2,$3,$4,$7,$9,$11,$12}'​ </a:t>
+            </a:r>
+          </a:p>
+          <a:p>
+            <a:r>
+              <a:rPr lang="en-US" b="1" dirty="0">
+                <a:effectLst/>
+                <a:latin typeface="Andale Mono" panose="020B0509000000000004" pitchFamily="49" charset="0"/>
+              </a:rPr>
+              <a:t>done</a:t>
             </a:r>
             <a:endParaRPr lang="en-US" b="0" i="0" dirty="0">
               <a:solidFill>
@@ -13180,6 +13525,400 @@
     <p:extLst>
       <p:ext uri="{BB962C8B-B14F-4D97-AF65-F5344CB8AC3E}">
         <p14:creationId xmlns:p14="http://schemas.microsoft.com/office/powerpoint/2010/main" val="3689626993"/>
+      </p:ext>
+    </p:extLst>
+  </p:cSld>
+  <p:clrMapOvr>
+    <a:masterClrMapping/>
+  </p:clrMapOvr>
+</p:sld>
+</file>
+
+<file path=ppt/slides/slide24.xml><?xml version="1.0" encoding="utf-8"?>
+<p:sld xmlns:a="http://schemas.openxmlformats.org/drawingml/2006/main" xmlns:r="http://schemas.openxmlformats.org/officeDocument/2006/relationships" xmlns:p="http://schemas.openxmlformats.org/presentationml/2006/main">
+  <p:cSld>
+    <p:spTree>
+      <p:nvGrpSpPr>
+        <p:cNvPr id="1" name="Shape 296"/>
+        <p:cNvGrpSpPr/>
+        <p:nvPr/>
+      </p:nvGrpSpPr>
+      <p:grpSpPr>
+        <a:xfrm>
+          <a:off x="0" y="0"/>
+          <a:ext cx="0" cy="0"/>
+          <a:chOff x="0" y="0"/>
+          <a:chExt cx="0" cy="0"/>
+        </a:xfrm>
+      </p:grpSpPr>
+      <p:sp>
+        <p:nvSpPr>
+          <p:cNvPr id="299" name="Google Shape;299;p3"/>
+          <p:cNvSpPr txBox="1"/>
+          <p:nvPr/>
+        </p:nvSpPr>
+        <p:spPr>
+          <a:xfrm>
+            <a:off x="671525" y="264174"/>
+            <a:ext cx="3009900" cy="583517"/>
+          </a:xfrm>
+          <a:prstGeom prst="rect">
+            <a:avLst/>
+          </a:prstGeom>
+          <a:noFill/>
+          <a:ln>
+            <a:noFill/>
+          </a:ln>
+        </p:spPr>
+        <p:txBody>
+          <a:bodyPr spcFirstLastPara="1" wrap="square" lIns="91425" tIns="45700" rIns="91425" bIns="45700" anchor="t" anchorCtr="0">
+            <a:spAutoFit/>
+          </a:bodyPr>
+          <a:lstStyle/>
+          <a:p>
+            <a:pPr marL="0" marR="0" lvl="0" indent="0" algn="l" rtl="0">
+              <a:lnSpc>
+                <a:spcPct val="114285"/>
+              </a:lnSpc>
+              <a:spcBef>
+                <a:spcPts val="0"/>
+              </a:spcBef>
+              <a:spcAft>
+                <a:spcPts val="0"/>
+              </a:spcAft>
+              <a:buNone/>
+            </a:pPr>
+            <a:r>
+              <a:rPr lang="en-US" sz="2800" b="0" i="0" u="none" strike="noStrike" cap="none" dirty="0">
+                <a:solidFill>
+                  <a:srgbClr val="712C3D"/>
+                </a:solidFill>
+                <a:latin typeface="Century Gothic" panose="020B0502020202020204" pitchFamily="34" charset="0"/>
+                <a:ea typeface="Calibri"/>
+                <a:cs typeface="Calibri"/>
+                <a:sym typeface="Calibri"/>
+              </a:rPr>
+              <a:t>Setup</a:t>
+            </a:r>
+            <a:endParaRPr dirty="0">
+              <a:latin typeface="Century Gothic" panose="020B0502020202020204" pitchFamily="34" charset="0"/>
+            </a:endParaRPr>
+          </a:p>
+        </p:txBody>
+      </p:sp>
+      <p:sp>
+        <p:nvSpPr>
+          <p:cNvPr id="6" name="TextBox 5">
+            <a:extLst>
+              <a:ext uri="{FF2B5EF4-FFF2-40B4-BE49-F238E27FC236}">
+                <a16:creationId xmlns:a16="http://schemas.microsoft.com/office/drawing/2014/main" id="{B886B16F-8DAE-8090-E1D8-C823ED88DAAC}"/>
+              </a:ext>
+            </a:extLst>
+          </p:cNvPr>
+          <p:cNvSpPr txBox="1"/>
+          <p:nvPr/>
+        </p:nvSpPr>
+        <p:spPr>
+          <a:xfrm>
+            <a:off x="909447" y="6478910"/>
+            <a:ext cx="9197067" cy="276999"/>
+          </a:xfrm>
+          <a:prstGeom prst="rect">
+            <a:avLst/>
+          </a:prstGeom>
+          <a:noFill/>
+        </p:spPr>
+        <p:txBody>
+          <a:bodyPr wrap="square">
+            <a:spAutoFit/>
+          </a:bodyPr>
+          <a:lstStyle/>
+          <a:p>
+            <a:r>
+              <a:rPr lang="en-US" sz="1200" dirty="0">
+                <a:latin typeface="Corbel" panose="020B0503020204020204" pitchFamily="34" charset="0"/>
+              </a:rPr>
+              <a:t>https://</a:t>
+            </a:r>
+            <a:r>
+              <a:rPr lang="en-US" sz="1200" dirty="0" err="1">
+                <a:latin typeface="Corbel" panose="020B0503020204020204" pitchFamily="34" charset="0"/>
+              </a:rPr>
+              <a:t>swcarpentry.github.io</a:t>
+            </a:r>
+            <a:r>
+              <a:rPr lang="en-US" sz="1200" dirty="0">
+                <a:latin typeface="Corbel" panose="020B0503020204020204" pitchFamily="34" charset="0"/>
+              </a:rPr>
+              <a:t>/shell-novice/01-intro/</a:t>
+            </a:r>
+            <a:r>
+              <a:rPr lang="en-US" sz="1200" dirty="0" err="1">
+                <a:latin typeface="Corbel" panose="020B0503020204020204" pitchFamily="34" charset="0"/>
+              </a:rPr>
+              <a:t>index.html</a:t>
+            </a:r>
+            <a:endParaRPr lang="en-KE" sz="1200" dirty="0">
+              <a:latin typeface="Corbel" panose="020B0503020204020204" pitchFamily="34" charset="0"/>
+            </a:endParaRPr>
+          </a:p>
+        </p:txBody>
+      </p:sp>
+      <p:pic>
+        <p:nvPicPr>
+          <p:cNvPr id="7" name="Google Shape;297;p3">
+            <a:extLst>
+              <a:ext uri="{FF2B5EF4-FFF2-40B4-BE49-F238E27FC236}">
+                <a16:creationId xmlns:a16="http://schemas.microsoft.com/office/drawing/2014/main" id="{313829C0-1B34-EDC8-C2D3-63C223B7C4B7}"/>
+              </a:ext>
+            </a:extLst>
+          </p:cNvPr>
+          <p:cNvPicPr preferRelativeResize="0"/>
+          <p:nvPr/>
+        </p:nvPicPr>
+        <p:blipFill rotWithShape="1">
+          <a:blip r:embed="rId3">
+            <a:alphaModFix/>
+          </a:blip>
+          <a:srcRect/>
+          <a:stretch/>
+        </p:blipFill>
+        <p:spPr>
+          <a:xfrm>
+            <a:off x="608704" y="976938"/>
+            <a:ext cx="4319588" cy="46038"/>
+          </a:xfrm>
+          <a:prstGeom prst="rect">
+            <a:avLst/>
+          </a:prstGeom>
+          <a:noFill/>
+          <a:ln>
+            <a:noFill/>
+          </a:ln>
+        </p:spPr>
+      </p:pic>
+      <p:sp>
+        <p:nvSpPr>
+          <p:cNvPr id="3" name="TextBox 2">
+            <a:extLst>
+              <a:ext uri="{FF2B5EF4-FFF2-40B4-BE49-F238E27FC236}">
+                <a16:creationId xmlns:a16="http://schemas.microsoft.com/office/drawing/2014/main" id="{B15FA999-8A4D-99C1-7497-9E44F0868C0A}"/>
+              </a:ext>
+            </a:extLst>
+          </p:cNvPr>
+          <p:cNvSpPr txBox="1"/>
+          <p:nvPr/>
+        </p:nvSpPr>
+        <p:spPr>
+          <a:xfrm>
+            <a:off x="1858520" y="2189450"/>
+            <a:ext cx="8474959" cy="2862322"/>
+          </a:xfrm>
+          <a:prstGeom prst="rect">
+            <a:avLst/>
+          </a:prstGeom>
+          <a:noFill/>
+        </p:spPr>
+        <p:txBody>
+          <a:bodyPr wrap="square">
+            <a:spAutoFit/>
+          </a:bodyPr>
+          <a:lstStyle/>
+          <a:p>
+            <a:r>
+              <a:rPr lang="en-US" b="1" dirty="0">
+                <a:effectLst/>
+                <a:latin typeface="Andale Mono" panose="020B0509000000000004" pitchFamily="49" charset="0"/>
+              </a:rPr>
+              <a:t>cut -d$'\t' -f 6 /var/scratch/global/</a:t>
+            </a:r>
+            <a:r>
+              <a:rPr lang="en-US" b="1" dirty="0" err="1">
+                <a:effectLst/>
+                <a:latin typeface="Andale Mono" panose="020B0509000000000004" pitchFamily="49" charset="0"/>
+              </a:rPr>
+              <a:t>unix</a:t>
+            </a:r>
+            <a:r>
+              <a:rPr lang="en-US" b="1" dirty="0">
+                <a:effectLst/>
+                <a:latin typeface="Andale Mono" panose="020B0509000000000004" pitchFamily="49" charset="0"/>
+              </a:rPr>
+              <a:t>-stuff/Undetermined_S0.snpeff.vcf.tsv | sort -n | head -n 2</a:t>
+            </a:r>
+          </a:p>
+          <a:p>
+            <a:endParaRPr lang="en-US" b="1" dirty="0">
+              <a:latin typeface="Andale Mono" panose="020B0509000000000004" pitchFamily="49" charset="0"/>
+            </a:endParaRPr>
+          </a:p>
+          <a:p>
+            <a:r>
+              <a:rPr lang="en-US" b="1" dirty="0">
+                <a:effectLst/>
+                <a:latin typeface="Andale Mono" panose="020B0509000000000004" pitchFamily="49" charset="0"/>
+              </a:rPr>
+              <a:t>awk -F"\t" ‘NR&gt;1 { print $6 }' /var/scratch/global/</a:t>
+            </a:r>
+            <a:r>
+              <a:rPr lang="en-US" b="1" dirty="0" err="1">
+                <a:effectLst/>
+                <a:latin typeface="Andale Mono" panose="020B0509000000000004" pitchFamily="49" charset="0"/>
+              </a:rPr>
+              <a:t>unix</a:t>
+            </a:r>
+            <a:r>
+              <a:rPr lang="en-US" b="1" dirty="0">
+                <a:effectLst/>
+                <a:latin typeface="Andale Mono" panose="020B0509000000000004" pitchFamily="49" charset="0"/>
+              </a:rPr>
+              <a:t>-stuff/Undetermined_S0.snpeff.vcf.tsv | sort -n | head -n 2</a:t>
+            </a:r>
+          </a:p>
+          <a:p>
+            <a:endParaRPr lang="en-US" b="1" dirty="0">
+              <a:latin typeface="Andale Mono" panose="020B0509000000000004" pitchFamily="49" charset="0"/>
+            </a:endParaRPr>
+          </a:p>
+          <a:p>
+            <a:endParaRPr lang="en-US" b="1" dirty="0">
+              <a:effectLst/>
+              <a:latin typeface="Andale Mono" panose="020B0509000000000004" pitchFamily="49" charset="0"/>
+            </a:endParaRPr>
+          </a:p>
+          <a:p>
+            <a:r>
+              <a:rPr lang="en-US" b="1" dirty="0">
+                <a:effectLst/>
+                <a:latin typeface="Andale Mono" panose="020B0509000000000004" pitchFamily="49" charset="0"/>
+              </a:rPr>
+              <a:t>awk ‘ </a:t>
+            </a:r>
+            <a:r>
+              <a:rPr lang="en-US" b="1">
+                <a:effectLst/>
+                <a:latin typeface="Andale Mono" panose="020B0509000000000004" pitchFamily="49" charset="0"/>
+              </a:rPr>
+              <a:t>!/^&gt;/ { gc</a:t>
+            </a:r>
+            <a:r>
+              <a:rPr lang="en-US" b="1" dirty="0">
+                <a:effectLst/>
+                <a:latin typeface="Andale Mono" panose="020B0509000000000004" pitchFamily="49" charset="0"/>
+              </a:rPr>
+              <a:t>+=</a:t>
+            </a:r>
+            <a:r>
+              <a:rPr lang="en-US" b="1" dirty="0" err="1">
+                <a:effectLst/>
+                <a:latin typeface="Andale Mono" panose="020B0509000000000004" pitchFamily="49" charset="0"/>
+              </a:rPr>
+              <a:t>gsub</a:t>
+            </a:r>
+            <a:r>
+              <a:rPr lang="en-US" b="1" dirty="0">
+                <a:effectLst/>
+                <a:latin typeface="Andale Mono" panose="020B0509000000000004" pitchFamily="49" charset="0"/>
+              </a:rPr>
+              <a:t>(/[</a:t>
+            </a:r>
+            <a:r>
+              <a:rPr lang="en-US" b="1" dirty="0" err="1">
+                <a:effectLst/>
+                <a:latin typeface="Andale Mono" panose="020B0509000000000004" pitchFamily="49" charset="0"/>
+              </a:rPr>
+              <a:t>gGcC</a:t>
+            </a:r>
+            <a:r>
+              <a:rPr lang="en-US" b="1" dirty="0">
+                <a:effectLst/>
+                <a:latin typeface="Andale Mono" panose="020B0509000000000004" pitchFamily="49" charset="0"/>
+              </a:rPr>
+              <a:t>]/,""); at+=</a:t>
+            </a:r>
+            <a:r>
+              <a:rPr lang="en-US" b="1" dirty="0" err="1">
+                <a:effectLst/>
+                <a:latin typeface="Andale Mono" panose="020B0509000000000004" pitchFamily="49" charset="0"/>
+              </a:rPr>
+              <a:t>gsub</a:t>
+            </a:r>
+            <a:r>
+              <a:rPr lang="en-US" b="1" dirty="0">
+                <a:effectLst/>
+                <a:latin typeface="Andale Mono" panose="020B0509000000000004" pitchFamily="49" charset="0"/>
+              </a:rPr>
+              <a:t>(/[</a:t>
+            </a:r>
+            <a:r>
+              <a:rPr lang="en-US" b="1" dirty="0" err="1">
+                <a:effectLst/>
+                <a:latin typeface="Andale Mono" panose="020B0509000000000004" pitchFamily="49" charset="0"/>
+              </a:rPr>
+              <a:t>aAtT</a:t>
+            </a:r>
+            <a:r>
+              <a:rPr lang="en-US" b="1" dirty="0">
+                <a:effectLst/>
+                <a:latin typeface="Andale Mono" panose="020B0509000000000004" pitchFamily="49" charset="0"/>
+              </a:rPr>
+              <a:t>]/,"");} END{ </a:t>
+            </a:r>
+            <a:r>
+              <a:rPr lang="en-US" b="1" dirty="0" err="1">
+                <a:effectLst/>
+                <a:latin typeface="Andale Mono" panose="020B0509000000000004" pitchFamily="49" charset="0"/>
+              </a:rPr>
+              <a:t>printf</a:t>
+            </a:r>
+            <a:r>
+              <a:rPr lang="en-US" b="1" dirty="0">
+                <a:effectLst/>
+                <a:latin typeface="Andale Mono" panose="020B0509000000000004" pitchFamily="49" charset="0"/>
+              </a:rPr>
+              <a:t> "%.2f%%\n", (</a:t>
+            </a:r>
+            <a:r>
+              <a:rPr lang="en-US" b="1" dirty="0" err="1">
+                <a:effectLst/>
+                <a:latin typeface="Andale Mono" panose="020B0509000000000004" pitchFamily="49" charset="0"/>
+              </a:rPr>
+              <a:t>gc</a:t>
+            </a:r>
+            <a:r>
+              <a:rPr lang="en-US" b="1" dirty="0">
+                <a:effectLst/>
+                <a:latin typeface="Andale Mono" panose="020B0509000000000004" pitchFamily="49" charset="0"/>
+              </a:rPr>
+              <a:t>*100)/(</a:t>
+            </a:r>
+            <a:r>
+              <a:rPr lang="en-US" b="1" dirty="0" err="1">
+                <a:effectLst/>
+                <a:latin typeface="Andale Mono" panose="020B0509000000000004" pitchFamily="49" charset="0"/>
+              </a:rPr>
+              <a:t>gc+at</a:t>
+            </a:r>
+            <a:r>
+              <a:rPr lang="en-US" b="1" dirty="0">
+                <a:effectLst/>
+                <a:latin typeface="Andale Mono" panose="020B0509000000000004" pitchFamily="49" charset="0"/>
+              </a:rPr>
+              <a:t>) }'</a:t>
+            </a:r>
+          </a:p>
+          <a:p>
+            <a:endParaRPr lang="en-US" b="1" dirty="0">
+              <a:effectLst/>
+              <a:latin typeface="Andale Mono" panose="020B0509000000000004" pitchFamily="49" charset="0"/>
+            </a:endParaRPr>
+          </a:p>
+        </p:txBody>
+      </p:sp>
+    </p:spTree>
+    <p:extLst>
+      <p:ext uri="{BB962C8B-B14F-4D97-AF65-F5344CB8AC3E}">
+        <p14:creationId xmlns:p14="http://schemas.microsoft.com/office/powerpoint/2010/main" val="3624139917"/>
       </p:ext>
     </p:extLst>
   </p:cSld>
